--- a/Assignment Presentation.pptx
+++ b/Assignment Presentation.pptx
@@ -124,6 +124,11 @@
       </a:defRPr>
     </a:lvl9pPr>
   </p:defaultTextStyle>
+  <p:extLst>
+    <p:ext uri="{EFAFB233-063F-42B5-8137-9DF3F51BA10A}">
+      <p15:sldGuideLst xmlns:p15="http://schemas.microsoft.com/office/powerpoint/2012/main"/>
+    </p:ext>
+  </p:extLst>
 </p:presentation>
 </file>
 
@@ -372,7 +377,7 @@
           <a:p>
             <a:fld id="{0CE7A1E8-B382-4F49-800A-80EA1DAEBEFB}" type="datetimeFigureOut">
               <a:rPr lang="en-GB" smtClean="0"/>
-              <a:t>22/02/2024</a:t>
+              <a:t>23/02/2024</a:t>
             </a:fld>
             <a:endParaRPr lang="en-GB"/>
           </a:p>
@@ -634,7 +639,7 @@
           <a:p>
             <a:fld id="{0CE7A1E8-B382-4F49-800A-80EA1DAEBEFB}" type="datetimeFigureOut">
               <a:rPr lang="en-GB" smtClean="0"/>
-              <a:t>22/02/2024</a:t>
+              <a:t>23/02/2024</a:t>
             </a:fld>
             <a:endParaRPr lang="en-GB"/>
           </a:p>
@@ -869,7 +874,7 @@
           <a:p>
             <a:fld id="{0CE7A1E8-B382-4F49-800A-80EA1DAEBEFB}" type="datetimeFigureOut">
               <a:rPr lang="en-GB" smtClean="0"/>
-              <a:t>22/02/2024</a:t>
+              <a:t>23/02/2024</a:t>
             </a:fld>
             <a:endParaRPr lang="en-GB"/>
           </a:p>
@@ -1109,7 +1114,7 @@
           <a:p>
             <a:fld id="{0CE7A1E8-B382-4F49-800A-80EA1DAEBEFB}" type="datetimeFigureOut">
               <a:rPr lang="en-GB" smtClean="0"/>
-              <a:t>22/02/2024</a:t>
+              <a:t>23/02/2024</a:t>
             </a:fld>
             <a:endParaRPr lang="en-GB"/>
           </a:p>
@@ -1416,7 +1421,7 @@
           <a:p>
             <a:fld id="{0CE7A1E8-B382-4F49-800A-80EA1DAEBEFB}" type="datetimeFigureOut">
               <a:rPr lang="en-GB" smtClean="0"/>
-              <a:t>22/02/2024</a:t>
+              <a:t>23/02/2024</a:t>
             </a:fld>
             <a:endParaRPr lang="en-GB"/>
           </a:p>
@@ -1718,7 +1723,7 @@
           <a:p>
             <a:fld id="{0CE7A1E8-B382-4F49-800A-80EA1DAEBEFB}" type="datetimeFigureOut">
               <a:rPr lang="en-GB" smtClean="0"/>
-              <a:t>22/02/2024</a:t>
+              <a:t>23/02/2024</a:t>
             </a:fld>
             <a:endParaRPr lang="en-GB"/>
           </a:p>
@@ -2140,7 +2145,7 @@
           <a:p>
             <a:fld id="{0CE7A1E8-B382-4F49-800A-80EA1DAEBEFB}" type="datetimeFigureOut">
               <a:rPr lang="en-GB" smtClean="0"/>
-              <a:t>22/02/2024</a:t>
+              <a:t>23/02/2024</a:t>
             </a:fld>
             <a:endParaRPr lang="en-GB"/>
           </a:p>
@@ -2302,7 +2307,7 @@
           <a:p>
             <a:fld id="{0CE7A1E8-B382-4F49-800A-80EA1DAEBEFB}" type="datetimeFigureOut">
               <a:rPr lang="en-GB" smtClean="0"/>
-              <a:t>22/02/2024</a:t>
+              <a:t>23/02/2024</a:t>
             </a:fld>
             <a:endParaRPr lang="en-GB"/>
           </a:p>
@@ -2397,7 +2402,7 @@
           <a:p>
             <a:fld id="{0CE7A1E8-B382-4F49-800A-80EA1DAEBEFB}" type="datetimeFigureOut">
               <a:rPr lang="en-GB" smtClean="0"/>
-              <a:t>22/02/2024</a:t>
+              <a:t>23/02/2024</a:t>
             </a:fld>
             <a:endParaRPr lang="en-GB"/>
           </a:p>
@@ -2775,7 +2780,7 @@
           <a:p>
             <a:fld id="{0CE7A1E8-B382-4F49-800A-80EA1DAEBEFB}" type="datetimeFigureOut">
               <a:rPr lang="en-GB" smtClean="0"/>
-              <a:t>22/02/2024</a:t>
+              <a:t>23/02/2024</a:t>
             </a:fld>
             <a:endParaRPr lang="en-GB"/>
           </a:p>
@@ -3064,7 +3069,7 @@
           <a:p>
             <a:fld id="{0CE7A1E8-B382-4F49-800A-80EA1DAEBEFB}" type="datetimeFigureOut">
               <a:rPr lang="en-GB" smtClean="0"/>
-              <a:t>22/02/2024</a:t>
+              <a:t>23/02/2024</a:t>
             </a:fld>
             <a:endParaRPr lang="en-GB"/>
           </a:p>
@@ -3275,7 +3280,7 @@
           <a:p>
             <a:fld id="{0CE7A1E8-B382-4F49-800A-80EA1DAEBEFB}" type="datetimeFigureOut">
               <a:rPr lang="en-GB" smtClean="0"/>
-              <a:t>22/02/2024</a:t>
+              <a:t>23/02/2024</a:t>
             </a:fld>
             <a:endParaRPr lang="en-GB"/>
           </a:p>
@@ -4138,8 +4143,8 @@
           </a:p>
         </p:txBody>
       </p:sp>
-      <mc:AlternateContent xmlns:mc="http://schemas.openxmlformats.org/markup-compatibility/2006">
-        <mc:Choice xmlns:we="http://schemas.microsoft.com/office/webextensions/webextension/2010/11" xmlns:pca="http://schemas.microsoft.com/office/powerpoint/2013/contentapp" Requires="we pca">
+      <mc:AlternateContent xmlns:mc="http://schemas.openxmlformats.org/markup-compatibility/2006" xmlns:we="http://schemas.microsoft.com/office/webextensions/webextension/2010/11" xmlns:pca="http://schemas.microsoft.com/office/powerpoint/2013/contentapp">
+        <mc:Choice Requires="we pca">
           <p:graphicFrame>
             <p:nvGraphicFramePr>
               <p:cNvPr id="5" name="Add-in 4">
@@ -4165,7 +4170,7 @@
             </a:graphic>
           </p:graphicFrame>
         </mc:Choice>
-        <mc:Fallback>
+        <mc:Fallback xmlns="">
           <p:pic>
             <p:nvPicPr>
               <p:cNvPr id="5" name="Add-in 4">
@@ -6975,22 +6980,22 @@
   </we:alternateReferences>
   <we:properties>
     <we:property name="backgroundColor" value="&quot;#FFFFFF&quot;"/>
-    <we:property name="bookmark" value="&quot;H4sIAAAAAAAAA+1abVPjNhD+Kxl/ubuZ0JHfsHPfIHDXaylHCUen02EYvawTg2OnskxJmfz3rmQ7IS8mQKENab9ZWr3sPtpdPavxnSXifJTQ8TEdgvXR2s+y6yGV1y3balvpfB+3HS9kDvdFyHcdwhgLfByVjVScpbn18c5SVPZBncd5QRO9IHb+dtG2aJKc0L5uRTTJoW2NQOZZSpP4TygHo0jJAiZtC25HSSapXrKnqAK97A0OxzaqYn/n4o6Uq/gGesBV2XsKo0yqqi0iD6jgRHQYoR27E7pE4Jy8lBo114/XmxrFulmqaJyiArov7OxyIMAYJb4TOMQPaKj78zjtJ5Ups7ln45GGT8GtYtmtRopd4Z56pckETSURiRxCXa/DBHF9l/ic6NlRnKhqQzY+vB1JRBGxLVfrIib9TMYcdzJoSchLcO6sbpYUQ/N1ONffywrJ4RQiI0pVrMZ6pQRoCqJ1QBXNQVlapROZ4dkY8WdIJZjOQfZHVwLui7iQSXuqyp64oSkHsaTHXr8voU9V1Tx8PSV/QmnrBN1XxcNS2U9FWrmFvaz7BfY8eFYiSwvVHVCp5o8LG1KA3B+boziIZe17dnvBjI2xfXJRBwrOubrn/ZUHlaa8istcGPfuBIQBpaHHiGtjoDAP00Wje1e55pMRcvAFidzID0FQh4EICeCBrAyBcjm92nmdJhyEQmZDs26V1/TIqRlHGU5FG+CMsgQuXTuMxC54O+Cw3R3PsckO5gK24zsd4ADAg04Hp5cuQjSuvwwADS3xS0VcH/ZxppaR/LKAbv543MuG0X4B6V+BSssc8TlNCpNncdGjGJEovdp048C0SBIzcLXY7nSco4fl7hq5t0buPyR3CCFGrl1mYuJzPpV8H+MUyQfjI7iBZBmvqXxZVMN1TmVc3icVnM/39cqZpitaS4dymUWXp4BT8zIk7+lnaY9rzTq0uLKqPs/5fIW5hVM+AHEwu6JL74nNDZVz3PqLKBPLcIRK5XWaqVs/xqlOfHqjSD09Az0nUFZ7ats6jfsDo0Kzl5q0Mc9H3u8nNL3+YOlrZ9usroNvhdlatK02u802u9tqs9dss7etNvvNNvtbaXN9ma2wWYssfb1tDo9fy4XzJOZIrO7zYGsIWODpD4GbmatoVO4UQynPhBGDoXUrUXq3T/OYv7OqC3/SwFKnvOZ1OarNAi6AeMQloeNQuxPAIzkqi1zX3kVeCz4hoS+ooO6Mo55lo+NHk9O8YL8XgIx8sZjo1QL8/rn+eGglfp/mLiIxR2F7SFK4egYX5YuImq1n5CiKIRGW3uLr6pLJefmSqVm5z0nGaNLq0QSdab5GImWNhCdV1ks1PI6O0ifj2VASvAT7b0DcKK8zWvPMqWM1sOsXjaxKqwUOu1nvBVMdZ27gbvgTx8MevNGqf8tBtno8k9B6vyeuihyV/LD+lWajbHjpF6Zhkaj4FOdQKTb/jWl1vJTXthMw8Ji/a7s2IeCQgIdO8925KbRno5zreO9NxvXhtzep9g8nb1Ltr2qg0+jjNF+bfxiVT3nffgWy9veD419/2iYhcEdQ4MQOAj8IwQuCtanvP1QSVGj9XxP8czXB1EE3qyh4E9fwG6bYKwias+Eqb0NV0JUYzby0YkOKglcJ28lF9Zy56g0wK1Q+ohxOcKUVb4F4NjQVIKrvpvdA80vI9DVwMvkLGr8gY5IiAAA=&quot;"/>
-    <we:property name="creatorSessionId" value="&quot;6ebd3a53-35dc-4159-816d-129ed1dc7cca&quot;"/>
+    <we:property name="bookmark" value="&quot;H4sIAAAAAAAAA+1abVPjNhD+Kxl/ubuZ0JHfYvu+QeCu11KOEo5Op8MwsrRODI6dyjIlZfLfu5LthLyYAIXW0H6ztHrZfbS7elbjW4PH+SSh0yM6BuOjsZdlV2Mqrjqm0TXS5b7QdHvE4b7JTLvn+2DSoIejsomMszQ3Pt4akoohyLM4L2iiFsTO3867Bk2SYzpUrYgmOXSNCYg8S2kS/wnlYBRJUcCsa8DNJMkEVUsOJJWglr3G4dhGVczvbNyRMhlfwwCYLHtPYJIJWbV55ADljPAgJDQwA98mHOfkpVSruX282lQr1s9SSeMUFVB9ftBjQCAMKXEtzyKuR33Vn8fpMKlMWcw9nU4UfBJuZJjdKKTCS9xTrTSboakkIpFFqO0EISe2axOXETU7ihNZbRhOD24mAlFEbMvV+ojJMBMxw500WgLyEpxbo58lxVh/HSz1D7JCMDiBSItSGcupWikBmgLv7FNJc5CGUulYZHg2WvwZUgG6c5T90ReA+yIuZNadq7LLr2nKgK/psTscChhSWTUPXk7Jn1DaOUb3lfG4VPZTkVZuYa7rfo49954Vz9JC9kdUyOXjwobgIPam+ij2Y1H7ntldMaM1ts/O60DBOZd3vL/yoNKUF3GZc+3egUdCoNR3QmKbGCih47nN7l3lmk9ayMDlJLIj1wdOrRC4TwAPZGMIlMup1c7qNGEhFCIb63WrvKZGzs04zHAq2gCnNEzgwjb9iPfA2QEr7O04lkl2MBeEO64VAAMA5gUBTi9dhChcfxkBGlril/K4PuyjTK4j+WUF3fzhuJcNrf0K0r8CFYY+4jOaFDrP4qKHMSJRerXuxoFpkSR64GaxGQTW4f1ye4vc2SJ375NbhBAtVy4z0/G5nEq+j3GKYKPpIVxDso7XXL4uquE6oyIu75MKzqf7euVM8xWNtUO5yKKLE8CpeRmSd/QzlMd1Fh1KXFlVn+dyvsLcwigbAd9fXNGl98T6hsoZbv2Fl4llPEGl8jrN1K0f41QlPrVRJB+fgZ4SKJs9tWucxMORVqHZS3XaWOYj7/cSml59MNS189asroNvg9lK9FZttptttt+qzU6zzc5btdltttl9kzbXl9kGm5XIUNdbe3j8Vi6cJzFDYnWXBxtjwAJPfXDcTF9Fk3KnGEp5xrUYNK3biNK7PZrH7J1RXfizBpY65zUvy1HN0GMciENs4lsWNQMPHshRw8i2zR7yWnAJ8V1OObUXHPU0mxw9mJzmRfh7AcjIV4uJQS3A75/rj/tWYndp7ioSSxR2gCSFySdwUbaKqN56QY6iGBJuqC2+bi6ZrOcvmZqV+5xkIU06A5qgMy3XSKSskfCkynqphsdSUfpoPBtKgudg/w2Ia+VVRmueOXesBnb9rJFVabXCYdv1XjDXceEGdsufOO734Far/i0H0RmwTEDn/S6/LHJU8sP2V5pW2fDcL0zjIpHxCc6hgrf/jWlzvJTXtuWF4IRuz7RNQsAiHvOt5ruzLbSnVc51tPsq4/rg26tU+4fjV6n2VzlSafRhmm/NPyEVj3nffgGy9veD419/2iY+MItTYMT0PNfzwfG8ranvP1QSVGj9XxP8czXB3EHbVRS8imv4FVPsDQTNarnKb6Eq6AuMZlZa0ZKi4EXCdnZePWduegPMCplPKINjXGnDWyCeDU058Oq76T1Q/xIyfw2czf4CGQGAB5IiAAA=&quot;"/>
+    <we:property name="creatorSessionId" value="&quot;f270734f-d746-4e7e-8d73-5bd94f45de93&quot;"/>
     <we:property name="creatorTenantId" value="&quot;e90c1f93-29fc-4405-9da8-f122a14da6d1&quot;"/>
     <we:property name="creatorUserId" value="&quot;100320033EB994D1&quot;"/>
     <we:property name="datasetId" value="&quot;9971b667-a5b1-4d77-a97c-e83264c75af8&quot;"/>
-    <we:property name="embedUrl" value="&quot;/reportEmbed?reportId=721b36a8-f0b1-4824-a774-51035eee273d&amp;groupId=feae3331-62e1-4bf4-8393-96f77455c4c3&amp;w=2&amp;config=eyJjbHVzdGVyVXJsIjoiaHR0cHM6Ly9XQUJJLVVLLVNPVVRILUItUFJJTUFSWS1yZWRpcmVjdC5hbmFseXNpcy53aW5kb3dzLm5ldCIsImVtYmVkRmVhdHVyZXMiOnsidXNhZ2VNZXRyaWNzVk5leHQiOnRydWUsImRpc2FibGVBbmd1bGFySlNCb290c3RyYXBSZXBvcnRFbWJlZCI6dHJ1ZX19&amp;disableSensitivityBanner=true&amp;lrtl=true&quot;"/>
+    <we:property name="embedUrl" value="&quot;/reportEmbed?reportId=721b36a8-f0b1-4824-a774-51035eee273d&amp;config=eyJjbHVzdGVyVXJsIjoiaHR0cHM6Ly9XQUJJLVVLLVNPVVRILUItUFJJTUFSWS1yZWRpcmVjdC5hbmFseXNpcy53aW5kb3dzLm5ldCIsImVtYmVkRmVhdHVyZXMiOnsidXNhZ2VNZXRyaWNzVk5leHQiOnRydWUsImRpc2FibGVBbmd1bGFySlNCb290c3RyYXBSZXBvcnRFbWJlZCI6dHJ1ZX19&amp;disableSensitivityBanner=true&amp;lrtl=true&quot;"/>
     <we:property name="initialStateBookmark" value="&quot;H4sIAAAAAAAAA+1abVPjNhD+Kxl/ubuZ0JHtGCf3LQTueuW1CUen02EYWVonAsdOZZmSMvnvXcl2Ql5MgEIb0n6ztNK+PNpd7Wp8b3GRjiI6PqFDsD5be0lyM6TypmZbdSsu5k5PD4/b3cOrk/bxAU4nIyWSOLU+31uKyj6oC5FmNNIccPK3y7pFo+iM9vUopFEKdWsEMk1iGok/IV+MJCUzmNQtuBtFiaSaZU9RBZrtLS7HMcq2f3BRImVK3EIPmMpnuzBKpCrGPGwA5YzwVkBoy241XcJxT5pTjZrr12uhRrFOEisqYlRAzzVbuwwIBAElnuM7xPNpU8+nIu5HhSmzvefjkcZLwZ0KkjuNVHCNMjWnyQRNJSEJHULdRivgxPVc4jGid4ciUoXAYHxwN5KIImKbc+sgJv1ECoaSDFoS0hyce6uTRNnQfB3MzfeSTDLoQmhIsRJqrDlFQGPgtX2qaArK0iqdyQTPxpC/QizBTA6SPzoSUC7iQib1qSptfktjBnxJj3a/L6FPVTE8eDslj5FaO0N/VWKYK/sliwu3sJd1v8SZR8+KJ3GmOgMq1fxx4UBykHtjcxT7Qpa+Z9cXzNgY2yeXZaDgnusH3l94UG7Km7jMpXHvlk8CoLTZCIhrY6AEDd+rdu8iuXwxRAYeJ6Ebek3g1AmANwnggawMgZyd5nZRpgkHoZDJ0PAtEpleOTXjKMGtaAOc0yCCK9duhnwXGjvgBLs7DccmO5gLgh3PaQEDAOa3Wrg9dxGicf1lAGhojl/MRXnYJ4laRvLbArrp03HPB0b7BaR/BSotc8QXNMpMnkWmRwKRyL3aTOPCOIsis3A12W61nKPH6e4aemMN3XuM7hBCDF27zMTE53wq+VHgFskG4yO4hWgZryl9mVTCdUGlyO+TAs6X+3rhTFOO1tKhXCXhVRdwa5qH5AP9LO1xtdmEJhdWlec5n68wtzDKBsD3Z3dy7j3C3FApQ9HfeJ5YhiNUKi3TTDk6FLFOfFpQqJ6fgV4SKKs9tW51RX9gVKj2UpM25guQj3sRjW8+Wfra2Tary+BbYbYmbavNbrXN7rba3Ki2ubGtNnvVNntbaXN5ma2wWZMsfb1tTh2/thZOI8GwsHpYB1tDwAZPf3AUZq6iUS5JQE5PuCGDKetWovRhj6aCfbCKC39SUaVO65q3rVHtwGccSIO4pOk41G758MQaNQhd197FuhY8Qpoep5y6sxr1PBmdPLk4TbPg9wywIl9sJnolAb9/Lj8e48QelrmLSMyVsD0sUph6QS3KFhE1omfFUSgg4pYWcbq6ZXJev2WqVu5rlAQ0qvVohM403yORvEfCk8r7pRIeR0fps/GsaAleo/qvQNworzNa9c6pY1VU168aWYVWCzXsZr0XTHWcuYG74U8cj3vwRqv+PQVZ67FEQu1jm19nKSr5af0rzUbZ8NovTMMsUqKLe6jkm//GtDpe8mvb8QNoBN6u7dqEgEN81nSq785NKXs2yrlO2u8yrg++v0u1fzp7l2qfqoFOo0/TfG3+Cah8zvv2GxRrfz84/vWnbdIE5nAKjNi+7/lNaPj+2tT3H2oJCrT+7wn+uZ5g6qCb1RS8i2v4HZfYKwo0Z8NV3oauoCMxmlluxYY0BW8StpPL4jlz1Rtgkql0RBmcIacVb4F4NjTmwIvvqvdA/d+HZWQgJKLIXE9YX+j2F9M9dxKyIgAA&quot;"/>
     <we:property name="isFiltersActionButtonVisible" value="true"/>
     <we:property name="isVisualContainerHeaderHidden" value="false"/>
     <we:property name="pageDisplayName" value="&quot;Genre Breakdown&quot;"/>
     <we:property name="pageName" value="&quot;ReportSectiondf4eadc0d9b0a919830d&quot;"/>
     <we:property name="pptInsertionSessionID" value="&quot;E77BA1EC-E629-455F-BB83-B52970042003&quot;"/>
-    <we:property name="reportEmbeddedTime" value="&quot;2024-02-22T23:45:26.042Z&quot;"/>
+    <we:property name="reportEmbeddedTime" value="&quot;2024-02-23T11:03:20.864Z&quot;"/>
     <we:property name="reportName" value="&quot;PowerBI Assignment&quot;"/>
     <we:property name="reportState" value="&quot;CONNECTED&quot;"/>
-    <we:property name="reportUrl" value="&quot;/links/DOd9O8PiQm?ctid=e90c1f93-29fc-4405-9da8-f122a14da6d1&amp;bookmarkGuid=1d221b0f-ad98-432e-adb0-50aae2ed473e&quot;"/>
+    <we:property name="reportUrl" value="&quot;/links/DOd9O8PiQm?ctid=e90c1f93-29fc-4405-9da8-f122a14da6d1&amp;experience=power-bi&quot;"/>
   </we:properties>
   <we:bindings/>
   <we:snapshot xmlns:r="http://schemas.openxmlformats.org/officeDocument/2006/relationships" r:embed="rId1"/>
